--- a/Deep_learning_heartdisease.pptx
+++ b/Deep_learning_heartdisease.pptx
@@ -142,23 +142,38 @@
 <pc:chgInfo xmlns:a="http://schemas.openxmlformats.org/drawingml/2006/main" xmlns:r="http://schemas.openxmlformats.org/officeDocument/2006/relationships" xmlns:ac="http://schemas.microsoft.com/office/drawing/2013/main/command" xmlns:pc="http://schemas.microsoft.com/office/powerpoint/2013/main/command">
   <pc:docChgLst>
     <pc:chgData name="Abirami S" userId="221f987e10e921a1" providerId="LiveId" clId="{3F777427-BA16-4025-A78D-7E7203AFA70D}"/>
-    <pc:docChg chg="modSld">
-      <pc:chgData name="Abirami S" userId="221f987e10e921a1" providerId="LiveId" clId="{3F777427-BA16-4025-A78D-7E7203AFA70D}" dt="2024-04-03T13:51:32.399" v="0" actId="20577"/>
+    <pc:docChg chg="custSel modSld">
+      <pc:chgData name="Abirami S" userId="221f987e10e921a1" providerId="LiveId" clId="{3F777427-BA16-4025-A78D-7E7203AFA70D}" dt="2024-04-03T15:48:33.072" v="38" actId="20577"/>
       <pc:docMkLst>
         <pc:docMk/>
       </pc:docMkLst>
       <pc:sldChg chg="modSp mod">
-        <pc:chgData name="Abirami S" userId="221f987e10e921a1" providerId="LiveId" clId="{3F777427-BA16-4025-A78D-7E7203AFA70D}" dt="2024-04-03T13:51:32.399" v="0" actId="20577"/>
+        <pc:chgData name="Abirami S" userId="221f987e10e921a1" providerId="LiveId" clId="{3F777427-BA16-4025-A78D-7E7203AFA70D}" dt="2024-04-03T15:48:33.072" v="38" actId="20577"/>
         <pc:sldMkLst>
           <pc:docMk/>
           <pc:sldMk cId="3183315129" sldId="268"/>
         </pc:sldMkLst>
         <pc:spChg chg="mod">
-          <ac:chgData name="Abirami S" userId="221f987e10e921a1" providerId="LiveId" clId="{3F777427-BA16-4025-A78D-7E7203AFA70D}" dt="2024-04-03T13:51:32.399" v="0" actId="20577"/>
+          <ac:chgData name="Abirami S" userId="221f987e10e921a1" providerId="LiveId" clId="{3F777427-BA16-4025-A78D-7E7203AFA70D}" dt="2024-04-03T15:48:33.072" v="38" actId="20577"/>
           <ac:spMkLst>
             <pc:docMk/>
             <pc:sldMk cId="3183315129" sldId="268"/>
             <ac:spMk id="2" creationId="{005E46AB-32C4-4B57-A2B1-50738A64BE1B}"/>
+          </ac:spMkLst>
+        </pc:spChg>
+      </pc:sldChg>
+      <pc:sldChg chg="modSp mod">
+        <pc:chgData name="Abirami S" userId="221f987e10e921a1" providerId="LiveId" clId="{3F777427-BA16-4025-A78D-7E7203AFA70D}" dt="2024-04-03T15:20:57.392" v="1" actId="20577"/>
+        <pc:sldMkLst>
+          <pc:docMk/>
+          <pc:sldMk cId="728950222" sldId="269"/>
+        </pc:sldMkLst>
+        <pc:spChg chg="mod">
+          <ac:chgData name="Abirami S" userId="221f987e10e921a1" providerId="LiveId" clId="{3F777427-BA16-4025-A78D-7E7203AFA70D}" dt="2024-04-03T15:20:57.392" v="1" actId="20577"/>
+          <ac:spMkLst>
+            <pc:docMk/>
+            <pc:sldMk cId="728950222" sldId="269"/>
+            <ac:spMk id="2" creationId="{357C38BC-22B3-37B2-E0C3-812020A76077}"/>
           </ac:spMkLst>
         </pc:spChg>
       </pc:sldChg>
@@ -4614,13 +4629,13 @@
         </p:nvSpPr>
         <p:spPr>
           <a:xfrm>
-            <a:off x="581192" y="1302026"/>
-            <a:ext cx="11029615" cy="2859008"/>
+            <a:off x="581192" y="1302025"/>
+            <a:ext cx="11029615" cy="3710550"/>
           </a:xfrm>
         </p:spPr>
         <p:txBody>
           <a:bodyPr>
-            <a:normAutofit/>
+            <a:normAutofit fontScale="85000" lnSpcReduction="10000"/>
           </a:bodyPr>
           <a:lstStyle/>
           <a:p>
@@ -4658,18 +4673,118 @@
                 <a:effectLst/>
                 <a:latin typeface="Söhne"/>
               </a:rPr>
-              <a:t>, we have achieved reliable classification performance. Deploying this model into production environments can aid in early detection and risk assessment of heart disease, facilitating timely intervention and patient care. Continuous monitoring and updates will ensure the model remains effective in </a:t>
-            </a:r>
-            <a:r>
-              <a:rPr lang="en-US" sz="2000" b="0" i="0">
+              <a:t>, we have achieved reliable classification performance. Deploying this model into production environments can aid in early detection and risk assessment of heart disease, facilitating timely intervention and patient care. Continuous monitoring and updates will ensure the model remains effective in real-world scenarios.</a:t>
+            </a:r>
+          </a:p>
+          <a:p>
+            <a:pPr marL="0" indent="0" algn="just">
+              <a:lnSpc>
+                <a:spcPct val="150000"/>
+              </a:lnSpc>
+              <a:buNone/>
+            </a:pPr>
+            <a:endParaRPr lang="en-US" sz="2000" dirty="0">
+              <a:solidFill>
+                <a:srgbClr val="0D0D0D"/>
+              </a:solidFill>
+              <a:latin typeface="Söhne"/>
+              <a:cs typeface="Arial" panose="020B0604020202020204" pitchFamily="34" charset="0"/>
+            </a:endParaRPr>
+          </a:p>
+          <a:p>
+            <a:pPr marL="0" indent="0" algn="just">
+              <a:lnSpc>
+                <a:spcPct val="150000"/>
+              </a:lnSpc>
+              <a:buNone/>
+            </a:pPr>
+            <a:r>
+              <a:rPr lang="en-US" sz="2000" dirty="0">
                 <a:solidFill>
                   <a:srgbClr val="0D0D0D"/>
                 </a:solidFill>
-                <a:effectLst/>
                 <a:latin typeface="Söhne"/>
-              </a:rPr>
-              <a:t>real-world scenarios.</a:t>
-            </a:r>
+                <a:cs typeface="Arial" panose="020B0604020202020204" pitchFamily="34" charset="0"/>
+              </a:rPr>
+              <a:t>Git Link: </a:t>
+            </a:r>
+            <a:r>
+              <a:rPr lang="en-US" sz="2000" dirty="0">
+                <a:solidFill>
+                  <a:srgbClr val="0D0D0D"/>
+                </a:solidFill>
+                <a:latin typeface="Söhne"/>
+                <a:cs typeface="Arial" panose="020B0604020202020204" pitchFamily="34" charset="0"/>
+                <a:hlinkClick r:id="rId2"/>
+              </a:rPr>
+              <a:t>https://github.com/Abisk29/Naan-Mudhalvaan</a:t>
+            </a:r>
+            <a:endParaRPr lang="en-US" sz="2000" dirty="0">
+              <a:solidFill>
+                <a:srgbClr val="0D0D0D"/>
+              </a:solidFill>
+              <a:latin typeface="Söhne"/>
+              <a:cs typeface="Arial" panose="020B0604020202020204" pitchFamily="34" charset="0"/>
+            </a:endParaRPr>
+          </a:p>
+          <a:p>
+            <a:pPr marL="0" indent="0" algn="just">
+              <a:lnSpc>
+                <a:spcPct val="150000"/>
+              </a:lnSpc>
+              <a:buNone/>
+            </a:pPr>
+            <a:r>
+              <a:rPr lang="en-US" sz="2000">
+                <a:solidFill>
+                  <a:srgbClr val="0D0D0D"/>
+                </a:solidFill>
+                <a:latin typeface="Söhne"/>
+                <a:cs typeface="Arial" panose="020B0604020202020204" pitchFamily="34" charset="0"/>
+              </a:rPr>
+              <a:t>Demo link: </a:t>
+            </a:r>
+            <a:r>
+              <a:rPr lang="en-US" sz="2000">
+                <a:solidFill>
+                  <a:srgbClr val="0D0D0D"/>
+                </a:solidFill>
+                <a:latin typeface="Söhne"/>
+                <a:cs typeface="Arial" panose="020B0604020202020204" pitchFamily="34" charset="0"/>
+                <a:hlinkClick r:id="rId3"/>
+              </a:rPr>
+              <a:t>https://drive.google.com/file/d/1yfQNOBzVisPUcXTuf1LdZVsySFrobP9o/view?usp=sharing</a:t>
+            </a:r>
+            <a:endParaRPr lang="en-US" sz="2000">
+              <a:solidFill>
+                <a:srgbClr val="0D0D0D"/>
+              </a:solidFill>
+              <a:latin typeface="Söhne"/>
+              <a:cs typeface="Arial" panose="020B0604020202020204" pitchFamily="34" charset="0"/>
+            </a:endParaRPr>
+          </a:p>
+          <a:p>
+            <a:pPr marL="0" indent="0" algn="just">
+              <a:lnSpc>
+                <a:spcPct val="150000"/>
+              </a:lnSpc>
+              <a:buNone/>
+            </a:pPr>
+            <a:endParaRPr lang="en-US" sz="2000" dirty="0">
+              <a:solidFill>
+                <a:srgbClr val="0D0D0D"/>
+              </a:solidFill>
+              <a:latin typeface="Söhne"/>
+              <a:cs typeface="Arial" panose="020B0604020202020204" pitchFamily="34" charset="0"/>
+            </a:endParaRPr>
+          </a:p>
+          <a:p>
+            <a:pPr marL="0" indent="0" algn="just">
+              <a:lnSpc>
+                <a:spcPct val="150000"/>
+              </a:lnSpc>
+              <a:buNone/>
+            </a:pPr>
             <a:endParaRPr lang="en-IN" sz="1800" dirty="0">
               <a:latin typeface="Arial" panose="020B0604020202020204" pitchFamily="34" charset="0"/>
               <a:cs typeface="Arial" panose="020B0604020202020204" pitchFamily="34" charset="0"/>
@@ -4907,28 +5022,6 @@
               <a:solidFill>
                 <a:srgbClr val="0D0D0D"/>
               </a:solidFill>
-              <a:latin typeface="Arial" panose="020B0604020202020204" pitchFamily="34" charset="0"/>
-              <a:cs typeface="Arial" panose="020B0604020202020204" pitchFamily="34" charset="0"/>
-            </a:endParaRPr>
-          </a:p>
-          <a:p>
-            <a:pPr algn="l">
-              <a:buFont typeface="Wingdings" panose="05000000000000000000" pitchFamily="2" charset="2"/>
-              <a:buChar char="§"/>
-            </a:pPr>
-            <a:r>
-              <a:rPr lang="en-IN" sz="1800" dirty="0">
-                <a:latin typeface="Arial" panose="020B0604020202020204" pitchFamily="34" charset="0"/>
-                <a:cs typeface="Arial" panose="020B0604020202020204" pitchFamily="34" charset="0"/>
-                <a:hlinkClick r:id="rId7"/>
-              </a:rPr>
-              <a:t>MNIST handwritten digit database, Yann LeCun, Corinna Cortes and Chris Burges</a:t>
-            </a:r>
-            <a:endParaRPr lang="en-IN" sz="1800" b="0" i="0" dirty="0">
-              <a:solidFill>
-                <a:srgbClr val="0D0D0D"/>
-              </a:solidFill>
-              <a:effectLst/>
               <a:latin typeface="Arial" panose="020B0604020202020204" pitchFamily="34" charset="0"/>
               <a:cs typeface="Arial" panose="020B0604020202020204" pitchFamily="34" charset="0"/>
             </a:endParaRPr>
